--- a/IoTASAP2017/images/IoT-ASAP_Logo.pptx
+++ b/IoTASAP2017/images/IoT-ASAP_Logo.pptx
@@ -257,7 +257,7 @@
           <a:p>
             <a:fld id="{F3B505E5-71AA-4F56-A163-12C04BFEC044}" type="datetimeFigureOut">
               <a:rPr lang="en-US" smtClean="0"/>
-              <a:t>12/7/2017</a:t>
+              <a:t>12/8/2017</a:t>
             </a:fld>
             <a:endParaRPr lang="en-US"/>
           </a:p>
@@ -427,7 +427,7 @@
           <a:p>
             <a:fld id="{F3B505E5-71AA-4F56-A163-12C04BFEC044}" type="datetimeFigureOut">
               <a:rPr lang="en-US" smtClean="0"/>
-              <a:t>12/7/2017</a:t>
+              <a:t>12/8/2017</a:t>
             </a:fld>
             <a:endParaRPr lang="en-US"/>
           </a:p>
@@ -607,7 +607,7 @@
           <a:p>
             <a:fld id="{F3B505E5-71AA-4F56-A163-12C04BFEC044}" type="datetimeFigureOut">
               <a:rPr lang="en-US" smtClean="0"/>
-              <a:t>12/7/2017</a:t>
+              <a:t>12/8/2017</a:t>
             </a:fld>
             <a:endParaRPr lang="en-US"/>
           </a:p>
@@ -777,7 +777,7 @@
           <a:p>
             <a:fld id="{F3B505E5-71AA-4F56-A163-12C04BFEC044}" type="datetimeFigureOut">
               <a:rPr lang="en-US" smtClean="0"/>
-              <a:t>12/7/2017</a:t>
+              <a:t>12/8/2017</a:t>
             </a:fld>
             <a:endParaRPr lang="en-US"/>
           </a:p>
@@ -1021,7 +1021,7 @@
           <a:p>
             <a:fld id="{F3B505E5-71AA-4F56-A163-12C04BFEC044}" type="datetimeFigureOut">
               <a:rPr lang="en-US" smtClean="0"/>
-              <a:t>12/7/2017</a:t>
+              <a:t>12/8/2017</a:t>
             </a:fld>
             <a:endParaRPr lang="en-US"/>
           </a:p>
@@ -1253,7 +1253,7 @@
           <a:p>
             <a:fld id="{F3B505E5-71AA-4F56-A163-12C04BFEC044}" type="datetimeFigureOut">
               <a:rPr lang="en-US" smtClean="0"/>
-              <a:t>12/7/2017</a:t>
+              <a:t>12/8/2017</a:t>
             </a:fld>
             <a:endParaRPr lang="en-US"/>
           </a:p>
@@ -1620,7 +1620,7 @@
           <a:p>
             <a:fld id="{F3B505E5-71AA-4F56-A163-12C04BFEC044}" type="datetimeFigureOut">
               <a:rPr lang="en-US" smtClean="0"/>
-              <a:t>12/7/2017</a:t>
+              <a:t>12/8/2017</a:t>
             </a:fld>
             <a:endParaRPr lang="en-US"/>
           </a:p>
@@ -1738,7 +1738,7 @@
           <a:p>
             <a:fld id="{F3B505E5-71AA-4F56-A163-12C04BFEC044}" type="datetimeFigureOut">
               <a:rPr lang="en-US" smtClean="0"/>
-              <a:t>12/7/2017</a:t>
+              <a:t>12/8/2017</a:t>
             </a:fld>
             <a:endParaRPr lang="en-US"/>
           </a:p>
@@ -1833,7 +1833,7 @@
           <a:p>
             <a:fld id="{F3B505E5-71AA-4F56-A163-12C04BFEC044}" type="datetimeFigureOut">
               <a:rPr lang="en-US" smtClean="0"/>
-              <a:t>12/7/2017</a:t>
+              <a:t>12/8/2017</a:t>
             </a:fld>
             <a:endParaRPr lang="en-US"/>
           </a:p>
@@ -2110,7 +2110,7 @@
           <a:p>
             <a:fld id="{F3B505E5-71AA-4F56-A163-12C04BFEC044}" type="datetimeFigureOut">
               <a:rPr lang="en-US" smtClean="0"/>
-              <a:t>12/7/2017</a:t>
+              <a:t>12/8/2017</a:t>
             </a:fld>
             <a:endParaRPr lang="en-US"/>
           </a:p>
@@ -2367,7 +2367,7 @@
           <a:p>
             <a:fld id="{F3B505E5-71AA-4F56-A163-12C04BFEC044}" type="datetimeFigureOut">
               <a:rPr lang="en-US" smtClean="0"/>
-              <a:t>12/7/2017</a:t>
+              <a:t>12/8/2017</a:t>
             </a:fld>
             <a:endParaRPr lang="en-US"/>
           </a:p>
@@ -2580,7 +2580,7 @@
           <a:p>
             <a:fld id="{F3B505E5-71AA-4F56-A163-12C04BFEC044}" type="datetimeFigureOut">
               <a:rPr lang="en-US" smtClean="0"/>
-              <a:t>12/7/2017</a:t>
+              <a:t>12/8/2017</a:t>
             </a:fld>
             <a:endParaRPr lang="en-US"/>
           </a:p>
@@ -4030,8 +4030,18 @@
 </file>
 
 <file path=ppt/slides/slide2.xml><?xml version="1.0" encoding="utf-8"?>
-<p:sld xmlns:a="http://schemas.openxmlformats.org/drawingml/2006/main" xmlns:r="http://schemas.openxmlformats.org/officeDocument/2006/relationships" xmlns:p="http://schemas.openxmlformats.org/presentationml/2006/main">
+<p:sld xmlns:a="http://schemas.openxmlformats.org/drawingml/2006/main" xmlns:r="http://schemas.openxmlformats.org/officeDocument/2006/relationships" xmlns:p="http://schemas.openxmlformats.org/presentationml/2006/main" showMasterSp="0">
   <p:cSld>
+    <p:bg>
+      <p:bgPr>
+        <a:solidFill>
+          <a:schemeClr val="bg1">
+            <a:alpha val="0"/>
+          </a:schemeClr>
+        </a:solidFill>
+        <a:effectLst/>
+      </p:bgPr>
+    </p:bg>
     <p:spTree>
       <p:nvGrpSpPr>
         <p:cNvPr id="1" name=""/>
@@ -7526,6 +7536,174 @@
                 <a:latin typeface="Impact" panose="020B0806030902050204" pitchFamily="34" charset="0"/>
               </a:rPr>
               <a:t>-ASAP</a:t>
+            </a:r>
+            <a:endParaRPr lang="en-US" sz="6000" dirty="0">
+              <a:solidFill>
+                <a:schemeClr val="tx1">
+                  <a:lumMod val="85000"/>
+                  <a:lumOff val="15000"/>
+                </a:schemeClr>
+              </a:solidFill>
+              <a:latin typeface="Impact" panose="020B0806030902050204" pitchFamily="34" charset="0"/>
+            </a:endParaRPr>
+          </a:p>
+        </p:txBody>
+      </p:sp>
+      <p:sp>
+        <p:nvSpPr>
+          <p:cNvPr id="27" name="Titel 1"/>
+          <p:cNvSpPr txBox="1">
+            <a:spLocks/>
+          </p:cNvSpPr>
+          <p:nvPr/>
+        </p:nvSpPr>
+        <p:spPr>
+          <a:xfrm>
+            <a:off x="1930783" y="2157769"/>
+            <a:ext cx="1539109" cy="777546"/>
+          </a:xfrm>
+          <a:prstGeom prst="roundRect">
+            <a:avLst/>
+          </a:prstGeom>
+          <a:ln w="38100" cap="flat" cmpd="sng" algn="ctr">
+            <a:solidFill>
+              <a:schemeClr val="bg1">
+                <a:lumMod val="65000"/>
+              </a:schemeClr>
+            </a:solidFill>
+            <a:prstDash val="solid"/>
+            <a:miter lim="800000"/>
+          </a:ln>
+        </p:spPr>
+        <p:style>
+          <a:lnRef idx="2">
+            <a:schemeClr val="dk1"/>
+          </a:lnRef>
+          <a:fillRef idx="1">
+            <a:schemeClr val="lt1"/>
+          </a:fillRef>
+          <a:effectRef idx="0">
+            <a:schemeClr val="dk1"/>
+          </a:effectRef>
+          <a:fontRef idx="minor">
+            <a:schemeClr val="dk1"/>
+          </a:fontRef>
+        </p:style>
+        <p:txBody>
+          <a:bodyPr vert="horz" wrap="none" lIns="0" tIns="108000" rIns="0" bIns="0" rtlCol="0" anchor="ctr">
+            <a:noAutofit/>
+          </a:bodyPr>
+          <a:lstStyle>
+            <a:lvl1pPr algn="ctr" defTabSz="480060" rtl="0" eaLnBrk="1" latinLnBrk="0" hangingPunct="1">
+              <a:lnSpc>
+                <a:spcPct val="90000"/>
+              </a:lnSpc>
+              <a:spcBef>
+                <a:spcPct val="0"/>
+              </a:spcBef>
+              <a:buNone/>
+              <a:defRPr sz="3150" kern="1200">
+                <a:solidFill>
+                  <a:schemeClr val="dk1"/>
+                </a:solidFill>
+                <a:latin typeface="+mn-lt"/>
+                <a:ea typeface="+mn-ea"/>
+                <a:cs typeface="+mn-cs"/>
+              </a:defRPr>
+            </a:lvl1pPr>
+            <a:lvl2pPr>
+              <a:defRPr>
+                <a:solidFill>
+                  <a:schemeClr val="dk1"/>
+                </a:solidFill>
+                <a:latin typeface="+mn-lt"/>
+                <a:ea typeface="+mn-ea"/>
+                <a:cs typeface="+mn-cs"/>
+              </a:defRPr>
+            </a:lvl2pPr>
+            <a:lvl3pPr>
+              <a:defRPr>
+                <a:solidFill>
+                  <a:schemeClr val="dk1"/>
+                </a:solidFill>
+                <a:latin typeface="+mn-lt"/>
+                <a:ea typeface="+mn-ea"/>
+                <a:cs typeface="+mn-cs"/>
+              </a:defRPr>
+            </a:lvl3pPr>
+            <a:lvl4pPr>
+              <a:defRPr>
+                <a:solidFill>
+                  <a:schemeClr val="dk1"/>
+                </a:solidFill>
+                <a:latin typeface="+mn-lt"/>
+                <a:ea typeface="+mn-ea"/>
+                <a:cs typeface="+mn-cs"/>
+              </a:defRPr>
+            </a:lvl4pPr>
+            <a:lvl5pPr>
+              <a:defRPr>
+                <a:solidFill>
+                  <a:schemeClr val="dk1"/>
+                </a:solidFill>
+                <a:latin typeface="+mn-lt"/>
+                <a:ea typeface="+mn-ea"/>
+                <a:cs typeface="+mn-cs"/>
+              </a:defRPr>
+            </a:lvl5pPr>
+            <a:lvl6pPr>
+              <a:defRPr>
+                <a:solidFill>
+                  <a:schemeClr val="dk1"/>
+                </a:solidFill>
+                <a:latin typeface="+mn-lt"/>
+                <a:ea typeface="+mn-ea"/>
+                <a:cs typeface="+mn-cs"/>
+              </a:defRPr>
+            </a:lvl6pPr>
+            <a:lvl7pPr>
+              <a:defRPr>
+                <a:solidFill>
+                  <a:schemeClr val="dk1"/>
+                </a:solidFill>
+                <a:latin typeface="+mn-lt"/>
+                <a:ea typeface="+mn-ea"/>
+                <a:cs typeface="+mn-cs"/>
+              </a:defRPr>
+            </a:lvl7pPr>
+            <a:lvl8pPr>
+              <a:defRPr>
+                <a:solidFill>
+                  <a:schemeClr val="dk1"/>
+                </a:solidFill>
+                <a:latin typeface="+mn-lt"/>
+                <a:ea typeface="+mn-ea"/>
+                <a:cs typeface="+mn-cs"/>
+              </a:defRPr>
+            </a:lvl8pPr>
+            <a:lvl9pPr>
+              <a:defRPr>
+                <a:solidFill>
+                  <a:schemeClr val="dk1"/>
+                </a:solidFill>
+                <a:latin typeface="+mn-lt"/>
+                <a:ea typeface="+mn-ea"/>
+                <a:cs typeface="+mn-cs"/>
+              </a:defRPr>
+            </a:lvl9pPr>
+          </a:lstStyle>
+          <a:p>
+            <a:r>
+              <a:rPr lang="de-DE" sz="6000" dirty="0" smtClean="0">
+                <a:solidFill>
+                  <a:schemeClr val="tx1">
+                    <a:lumMod val="85000"/>
+                    <a:lumOff val="15000"/>
+                  </a:schemeClr>
+                </a:solidFill>
+                <a:latin typeface="Impact" panose="020B0806030902050204" pitchFamily="34" charset="0"/>
+              </a:rPr>
+              <a:t>2017</a:t>
             </a:r>
             <a:endParaRPr lang="en-US" sz="6000" dirty="0">
               <a:solidFill>

--- a/IoTASAP2017/images/IoT-ASAP_Logo.pptx
+++ b/IoTASAP2017/images/IoT-ASAP_Logo.pptx
@@ -4035,9 +4035,9 @@
     <p:bg>
       <p:bgPr>
         <a:solidFill>
-          <a:schemeClr val="bg1">
+          <a:srgbClr val="FFFFFF">
             <a:alpha val="0"/>
-          </a:schemeClr>
+          </a:srgbClr>
         </a:solidFill>
         <a:effectLst/>
       </p:bgPr>
